--- a/MLBasic/33 - Исследование зависимостей/Presentation/Зависимости.pptx
+++ b/MLBasic/33 - Исследование зависимостей/Presentation/Зависимости.pptx
@@ -5814,8 +5814,8 @@
           </a:p>
         </p:txBody>
       </p:sp>
-      <mc:AlternateContent xmlns:mc="http://schemas.openxmlformats.org/markup-compatibility/2006">
-        <mc:Choice xmlns:a14="http://schemas.microsoft.com/office/drawing/2010/main" Requires="a14">
+      <mc:AlternateContent xmlns:mc="http://schemas.openxmlformats.org/markup-compatibility/2006" xmlns:a14="http://schemas.microsoft.com/office/drawing/2010/main">
+        <mc:Choice Requires="a14">
           <p:sp>
             <p:nvSpPr>
               <p:cNvPr id="5" name="Text Placeholder 4">
@@ -5914,7 +5914,7 @@
             </p:txBody>
           </p:sp>
         </mc:Choice>
-        <mc:Fallback>
+        <mc:Fallback xmlns="">
           <p:sp>
             <p:nvSpPr>
               <p:cNvPr id="5" name="Text Placeholder 4">
@@ -6189,8 +6189,8 @@
           </a:p>
         </p:txBody>
       </p:sp>
-      <mc:AlternateContent xmlns:mc="http://schemas.openxmlformats.org/markup-compatibility/2006">
-        <mc:Choice xmlns:a14="http://schemas.microsoft.com/office/drawing/2010/main" Requires="a14">
+      <mc:AlternateContent xmlns:mc="http://schemas.openxmlformats.org/markup-compatibility/2006" xmlns:a14="http://schemas.microsoft.com/office/drawing/2010/main">
+        <mc:Choice Requires="a14">
           <p:sp>
             <p:nvSpPr>
               <p:cNvPr id="5" name="Text Placeholder 4">
@@ -6243,7 +6243,7 @@
                     <m:f>
                       <m:fPr>
                         <m:ctrlPr>
-                          <a:rPr lang="ru-RU" b="1" i="0" smtClean="0">
+                          <a:rPr lang="ru-RU" b="1" i="1" smtClean="0">
                             <a:latin typeface="Cambria Math" panose="02040503050406030204" pitchFamily="18" charset="0"/>
                           </a:rPr>
                         </m:ctrlPr>
@@ -6260,7 +6260,7 @@
                         <m:sSup>
                           <m:sSupPr>
                             <m:ctrlPr>
-                              <a:rPr lang="en-US" b="1" i="0" smtClean="0">
+                              <a:rPr lang="en-US" b="1" i="1" smtClean="0">
                                 <a:latin typeface="Cambria Math" panose="02040503050406030204" pitchFamily="18" charset="0"/>
                               </a:rPr>
                             </m:ctrlPr>
@@ -6337,7 +6337,7 @@
             </p:txBody>
           </p:sp>
         </mc:Choice>
-        <mc:Fallback>
+        <mc:Fallback xmlns="">
           <p:sp>
             <p:nvSpPr>
               <p:cNvPr id="5" name="Text Placeholder 4">
@@ -7651,8 +7651,8 @@
           </a:p>
         </p:txBody>
       </p:sp>
-      <mc:AlternateContent xmlns:mc="http://schemas.openxmlformats.org/markup-compatibility/2006">
-        <mc:Choice xmlns:a14="http://schemas.microsoft.com/office/drawing/2010/main" Requires="a14">
+      <mc:AlternateContent xmlns:mc="http://schemas.openxmlformats.org/markup-compatibility/2006" xmlns:a14="http://schemas.microsoft.com/office/drawing/2010/main">
+        <mc:Choice Requires="a14">
           <p:sp>
             <p:nvSpPr>
               <p:cNvPr id="5" name="TextBox 4">
@@ -7704,6 +7704,7 @@
                 <a:endParaRPr lang="ru-RU" dirty="0"/>
               </a:p>
               <a:p>
+                <a:pPr/>
                 <a14:m>
                   <m:oMathPara xmlns:m="http://schemas.openxmlformats.org/officeDocument/2006/math">
                     <m:oMathParaPr>
@@ -7822,7 +7823,7 @@
             </p:txBody>
           </p:sp>
         </mc:Choice>
-        <mc:Fallback>
+        <mc:Fallback xmlns="">
           <p:sp>
             <p:nvSpPr>
               <p:cNvPr id="5" name="TextBox 4">
@@ -8541,8 +8542,8 @@
           </a:fontRef>
         </p:style>
       </p:cxnSp>
-      <mc:AlternateContent xmlns:mc="http://schemas.openxmlformats.org/markup-compatibility/2006">
-        <mc:Choice xmlns:a14="http://schemas.microsoft.com/office/drawing/2010/main" Requires="a14">
+      <mc:AlternateContent xmlns:mc="http://schemas.openxmlformats.org/markup-compatibility/2006" xmlns:a14="http://schemas.microsoft.com/office/drawing/2010/main">
+        <mc:Choice Requires="a14">
           <p:sp>
             <p:nvSpPr>
               <p:cNvPr id="11" name="TextBox 10">
@@ -8571,6 +8572,7 @@
               </a:bodyPr>
               <a:lstStyle/>
               <a:p>
+                <a:pPr/>
                 <a14:m>
                   <m:oMathPara xmlns:m="http://schemas.openxmlformats.org/officeDocument/2006/math">
                     <m:oMathParaPr>
@@ -8718,7 +8720,7 @@
             </p:txBody>
           </p:sp>
         </mc:Choice>
-        <mc:Fallback>
+        <mc:Fallback xmlns="">
           <p:sp>
             <p:nvSpPr>
               <p:cNvPr id="11" name="TextBox 10">
@@ -9459,7 +9461,6 @@
           </a:bodyPr>
           <a:lstStyle/>
           <a:p>
-            <a:pPr/>
             <a:r>
               <a:rPr lang="ru-RU" dirty="0"/>
               <a:t>Вычислим вероятности носить аналоговые часы и вероятность быть моложе 30 лет из нашей выборки</a:t>
@@ -10192,8 +10193,8 @@
             <a:chExt cx="6870792" cy="712503"/>
           </a:xfrm>
         </p:grpSpPr>
-        <mc:AlternateContent xmlns:mc="http://schemas.openxmlformats.org/markup-compatibility/2006">
-          <mc:Choice xmlns:a14="http://schemas.microsoft.com/office/drawing/2010/main" Requires="a14">
+        <mc:AlternateContent xmlns:mc="http://schemas.openxmlformats.org/markup-compatibility/2006" xmlns:a14="http://schemas.microsoft.com/office/drawing/2010/main">
+          <mc:Choice Requires="a14">
             <p:sp>
               <p:nvSpPr>
                 <p:cNvPr id="11" name="TextBox 10">
@@ -10475,7 +10476,7 @@
               </p:txBody>
             </p:sp>
           </mc:Choice>
-          <mc:Fallback>
+          <mc:Fallback xmlns="">
             <p:sp>
               <p:nvSpPr>
                 <p:cNvPr id="11" name="TextBox 10">
@@ -10726,8 +10727,8 @@
           </a:p>
         </p:txBody>
       </p:sp>
-      <mc:AlternateContent xmlns:mc="http://schemas.openxmlformats.org/markup-compatibility/2006">
-        <mc:Choice xmlns:a14="http://schemas.microsoft.com/office/drawing/2010/main" Requires="a14">
+      <mc:AlternateContent xmlns:mc="http://schemas.openxmlformats.org/markup-compatibility/2006" xmlns:a14="http://schemas.microsoft.com/office/drawing/2010/main">
+        <mc:Choice Requires="a14">
           <p:graphicFrame>
             <p:nvGraphicFramePr>
               <p:cNvPr id="3" name="Table 5">
@@ -11689,7 +11690,7 @@
             </a:graphic>
           </p:graphicFrame>
         </mc:Choice>
-        <mc:Fallback>
+        <mc:Fallback xmlns="">
           <p:graphicFrame>
             <p:nvGraphicFramePr>
               <p:cNvPr id="3" name="Table 5">
@@ -12753,8 +12754,8 @@
           </a:p>
         </p:txBody>
       </p:sp>
-      <mc:AlternateContent xmlns:mc="http://schemas.openxmlformats.org/markup-compatibility/2006">
-        <mc:Choice xmlns:a14="http://schemas.microsoft.com/office/drawing/2010/main" Requires="a14">
+      <mc:AlternateContent xmlns:mc="http://schemas.openxmlformats.org/markup-compatibility/2006" xmlns:a14="http://schemas.microsoft.com/office/drawing/2010/main">
+        <mc:Choice Requires="a14">
           <p:sp>
             <p:nvSpPr>
               <p:cNvPr id="7" name="TextBox 6">
@@ -12783,6 +12784,7 @@
               </a:bodyPr>
               <a:lstStyle/>
               <a:p>
+                <a:pPr/>
                 <a14:m>
                   <m:oMathPara xmlns:m="http://schemas.openxmlformats.org/officeDocument/2006/math">
                     <m:oMathParaPr>
@@ -13026,7 +13028,7 @@
             </p:txBody>
           </p:sp>
         </mc:Choice>
-        <mc:Fallback>
+        <mc:Fallback xmlns="">
           <p:sp>
             <p:nvSpPr>
               <p:cNvPr id="7" name="TextBox 6">
@@ -13071,8 +13073,8 @@
           </p:sp>
         </mc:Fallback>
       </mc:AlternateContent>
-      <mc:AlternateContent xmlns:mc="http://schemas.openxmlformats.org/markup-compatibility/2006">
-        <mc:Choice xmlns:a14="http://schemas.microsoft.com/office/drawing/2010/main" Requires="a14">
+      <mc:AlternateContent xmlns:mc="http://schemas.openxmlformats.org/markup-compatibility/2006" xmlns:a14="http://schemas.microsoft.com/office/drawing/2010/main">
+        <mc:Choice Requires="a14">
           <p:sp>
             <p:nvSpPr>
               <p:cNvPr id="8" name="TextBox 7">
@@ -13198,7 +13200,7 @@
             </p:txBody>
           </p:sp>
         </mc:Choice>
-        <mc:Fallback>
+        <mc:Fallback xmlns="">
           <p:sp>
             <p:nvSpPr>
               <p:cNvPr id="8" name="TextBox 7">
@@ -13583,8 +13585,8 @@
           </a:graphicData>
         </a:graphic>
       </p:graphicFrame>
-      <mc:AlternateContent xmlns:mc="http://schemas.openxmlformats.org/markup-compatibility/2006">
-        <mc:Choice xmlns:a14="http://schemas.microsoft.com/office/drawing/2010/main" Requires="a14">
+      <mc:AlternateContent xmlns:mc="http://schemas.openxmlformats.org/markup-compatibility/2006" xmlns:a14="http://schemas.microsoft.com/office/drawing/2010/main">
+        <mc:Choice Requires="a14">
           <p:sp>
             <p:nvSpPr>
               <p:cNvPr id="9" name="TextBox 8">
@@ -13613,6 +13615,7 @@
               </a:bodyPr>
               <a:lstStyle/>
               <a:p>
+                <a:pPr/>
                 <a14:m>
                   <m:oMathPara xmlns:m="http://schemas.openxmlformats.org/officeDocument/2006/math">
                     <m:oMathParaPr>
@@ -13658,7 +13661,7 @@
             </p:txBody>
           </p:sp>
         </mc:Choice>
-        <mc:Fallback>
+        <mc:Fallback xmlns="">
           <p:sp>
             <p:nvSpPr>
               <p:cNvPr id="9" name="TextBox 8">
@@ -17369,7 +17372,7 @@
           <a:lstStyle/>
           <a:p>
             <a:r>
-              <a:rPr lang="ru-RU" dirty="0"/>
+              <a:rPr lang="ru-RU" b="1" dirty="0"/>
               <a:t>Категориальные – например район города</a:t>
             </a:r>
           </a:p>
@@ -17484,8 +17487,8 @@
           </a:p>
         </p:txBody>
       </p:sp>
-      <mc:AlternateContent xmlns:mc="http://schemas.openxmlformats.org/markup-compatibility/2006">
-        <mc:Choice xmlns:a14="http://schemas.microsoft.com/office/drawing/2010/main" Requires="a14">
+      <mc:AlternateContent xmlns:mc="http://schemas.openxmlformats.org/markup-compatibility/2006" xmlns:a14="http://schemas.microsoft.com/office/drawing/2010/main">
+        <mc:Choice Requires="a14">
           <p:sp>
             <p:nvSpPr>
               <p:cNvPr id="5" name="Text Placeholder 4">
@@ -17799,7 +17802,7 @@
             </p:txBody>
           </p:sp>
         </mc:Choice>
-        <mc:Fallback>
+        <mc:Fallback xmlns="">
           <p:sp>
             <p:nvSpPr>
               <p:cNvPr id="5" name="Text Placeholder 4">
